--- a/Git勉強会_長久保.pptx
+++ b/Git勉強会_長久保.pptx
@@ -242,7 +242,7 @@
           <a:p>
             <a:fld id="{9E007964-0C2C-452E-9E5C-7EB98D865B79}" type="datetimeFigureOut">
               <a:rPr kumimoji="1" lang="ja-JP" altLang="en-US" smtClean="0"/>
-              <a:t>2024/3/5</a:t>
+              <a:t>2025/5/8</a:t>
             </a:fld>
             <a:endParaRPr kumimoji="1" lang="ja-JP" altLang="en-US"/>
           </a:p>
@@ -3891,7 +3891,7 @@
               <a:t>_</a:t>
             </a:r>
             <a:r>
-              <a:rPr lang="ja-JP" altLang="en-US" sz="4800" dirty="0">
+              <a:rPr lang="ja-JP" altLang="en-US" sz="4800">
                 <a:ln w="3175">
                   <a:noFill/>
                 </a:ln>
@@ -3901,7 +3901,7 @@
                 <a:latin typeface="メイリオ" panose="020B0604030504040204" pitchFamily="50" charset="-128"/>
                 <a:ea typeface="メイリオ" panose="020B0604030504040204" pitchFamily="50" charset="-128"/>
               </a:rPr>
-              <a:t>長久保</a:t>
+              <a:t>長久保３</a:t>
             </a:r>
             <a:endParaRPr kumimoji="1" lang="ja-JP" altLang="en-US" sz="4800" dirty="0">
               <a:solidFill>
